--- a/Comp501_Stage3.pptx
+++ b/Comp501_Stage3.pptx
@@ -3504,7 +3504,7 @@
           <p:nvPr>
             <p:extLst>
               <p:ext uri="{D42A27DB-BD31-4B8C-83A1-F6EECF244321}">
-                <p14:modId xmlns:p14="http://schemas.microsoft.com/office/powerpoint/2010/main" val="3668681911"/>
+                <p14:modId xmlns:p14="http://schemas.microsoft.com/office/powerpoint/2010/main" val="3831930333"/>
               </p:ext>
             </p:extLst>
           </p:nvPr>
@@ -3613,7 +3613,7 @@
                     <a:p>
                       <a:r>
                         <a:rPr lang="en-US" sz="1200" dirty="0"/>
-                        <a:t>Team Leader: management of course resources, repositories, submission and organization</a:t>
+                        <a:t>Team Leader: management of course resources, repositories, submission and organization.</a:t>
                       </a:r>
                       <a:endParaRPr lang="en-NZ" sz="1200" dirty="0"/>
                     </a:p>
@@ -3662,7 +3662,7 @@
                     <a:p>
                       <a:r>
                         <a:rPr lang="en-US" sz="1200" dirty="0"/>
-                        <a:t>Lead Editor:  Grammar, spelling and formatting, and text review </a:t>
+                        <a:t>Lead Editor:  Grammar, spelling and formatting, and text review.</a:t>
                       </a:r>
                       <a:endParaRPr lang="en-NZ" sz="1200" dirty="0"/>
                     </a:p>
@@ -3711,7 +3711,11 @@
                     <a:p>
                       <a:r>
                         <a:rPr lang="en-US" sz="1200" dirty="0"/>
-                        <a:t>Lead Web designer. Manage the design and development of the web resources</a:t>
+                        <a:t>Lead Web designer. Manage the design and development of the </a:t>
+                      </a:r>
+                      <a:r>
+                        <a:rPr lang="en-US" sz="1200"/>
+                        <a:t>web resources</a:t>
                       </a:r>
                       <a:endParaRPr lang="en-NZ" sz="1200" dirty="0"/>
                     </a:p>

--- a/Comp501_Stage3.pptx
+++ b/Comp501_Stage3.pptx
@@ -261,7 +261,7 @@
           <a:p>
             <a:fld id="{27A35906-9064-42A5-B4C8-A064AA468049}" type="datetimeFigureOut">
               <a:rPr lang="en-NZ" smtClean="0"/>
-              <a:t>27/04/2022</a:t>
+              <a:t>2/05/2022</a:t>
             </a:fld>
             <a:endParaRPr lang="en-NZ"/>
           </a:p>
@@ -461,7 +461,7 @@
           <a:p>
             <a:fld id="{27A35906-9064-42A5-B4C8-A064AA468049}" type="datetimeFigureOut">
               <a:rPr lang="en-NZ" smtClean="0"/>
-              <a:t>27/04/2022</a:t>
+              <a:t>2/05/2022</a:t>
             </a:fld>
             <a:endParaRPr lang="en-NZ"/>
           </a:p>
@@ -671,7 +671,7 @@
           <a:p>
             <a:fld id="{27A35906-9064-42A5-B4C8-A064AA468049}" type="datetimeFigureOut">
               <a:rPr lang="en-NZ" smtClean="0"/>
-              <a:t>27/04/2022</a:t>
+              <a:t>2/05/2022</a:t>
             </a:fld>
             <a:endParaRPr lang="en-NZ"/>
           </a:p>
@@ -871,7 +871,7 @@
           <a:p>
             <a:fld id="{27A35906-9064-42A5-B4C8-A064AA468049}" type="datetimeFigureOut">
               <a:rPr lang="en-NZ" smtClean="0"/>
-              <a:t>27/04/2022</a:t>
+              <a:t>2/05/2022</a:t>
             </a:fld>
             <a:endParaRPr lang="en-NZ"/>
           </a:p>
@@ -1147,7 +1147,7 @@
           <a:p>
             <a:fld id="{27A35906-9064-42A5-B4C8-A064AA468049}" type="datetimeFigureOut">
               <a:rPr lang="en-NZ" smtClean="0"/>
-              <a:t>27/04/2022</a:t>
+              <a:t>2/05/2022</a:t>
             </a:fld>
             <a:endParaRPr lang="en-NZ"/>
           </a:p>
@@ -1415,7 +1415,7 @@
           <a:p>
             <a:fld id="{27A35906-9064-42A5-B4C8-A064AA468049}" type="datetimeFigureOut">
               <a:rPr lang="en-NZ" smtClean="0"/>
-              <a:t>27/04/2022</a:t>
+              <a:t>2/05/2022</a:t>
             </a:fld>
             <a:endParaRPr lang="en-NZ"/>
           </a:p>
@@ -1830,7 +1830,7 @@
           <a:p>
             <a:fld id="{27A35906-9064-42A5-B4C8-A064AA468049}" type="datetimeFigureOut">
               <a:rPr lang="en-NZ" smtClean="0"/>
-              <a:t>27/04/2022</a:t>
+              <a:t>2/05/2022</a:t>
             </a:fld>
             <a:endParaRPr lang="en-NZ"/>
           </a:p>
@@ -1972,7 +1972,7 @@
           <a:p>
             <a:fld id="{27A35906-9064-42A5-B4C8-A064AA468049}" type="datetimeFigureOut">
               <a:rPr lang="en-NZ" smtClean="0"/>
-              <a:t>27/04/2022</a:t>
+              <a:t>2/05/2022</a:t>
             </a:fld>
             <a:endParaRPr lang="en-NZ"/>
           </a:p>
@@ -2085,7 +2085,7 @@
           <a:p>
             <a:fld id="{27A35906-9064-42A5-B4C8-A064AA468049}" type="datetimeFigureOut">
               <a:rPr lang="en-NZ" smtClean="0"/>
-              <a:t>27/04/2022</a:t>
+              <a:t>2/05/2022</a:t>
             </a:fld>
             <a:endParaRPr lang="en-NZ"/>
           </a:p>
@@ -2398,7 +2398,7 @@
           <a:p>
             <a:fld id="{27A35906-9064-42A5-B4C8-A064AA468049}" type="datetimeFigureOut">
               <a:rPr lang="en-NZ" smtClean="0"/>
-              <a:t>27/04/2022</a:t>
+              <a:t>2/05/2022</a:t>
             </a:fld>
             <a:endParaRPr lang="en-NZ"/>
           </a:p>
@@ -2687,7 +2687,7 @@
           <a:p>
             <a:fld id="{27A35906-9064-42A5-B4C8-A064AA468049}" type="datetimeFigureOut">
               <a:rPr lang="en-NZ" smtClean="0"/>
-              <a:t>27/04/2022</a:t>
+              <a:t>2/05/2022</a:t>
             </a:fld>
             <a:endParaRPr lang="en-NZ"/>
           </a:p>
@@ -2930,7 +2930,7 @@
           <a:p>
             <a:fld id="{27A35906-9064-42A5-B4C8-A064AA468049}" type="datetimeFigureOut">
               <a:rPr lang="en-NZ" smtClean="0"/>
-              <a:t>27/04/2022</a:t>
+              <a:t>2/05/2022</a:t>
             </a:fld>
             <a:endParaRPr lang="en-NZ"/>
           </a:p>
@@ -3377,7 +3377,7 @@
           <a:p>
             <a:r>
               <a:rPr lang="en-NZ" dirty="0"/>
-              <a:t>Ethics of Privacy in Machine Learning Surrounding AI in the Medical Field</a:t>
+              <a:t>Implications on data privacy in the context of the training and creation of machine learning models</a:t>
             </a:r>
           </a:p>
         </p:txBody>

--- a/Comp501_Stage3.pptx
+++ b/Comp501_Stage3.pptx
@@ -3446,8 +3446,21 @@
             </a:pPr>
             <a:r>
               <a:rPr lang="en-NZ" sz="1200" dirty="0"/>
-              <a:t>Our focus is on the medical field of Machine Learning. Machine learning itself require a training dataset containing a large amount of data. In the medical field, this training dataset contains patient data.</a:t>
-            </a:r>
+              <a:t>One example is in the medical field of Machine Learning. Machine learning itself requires a training dataset containing a large amount of data. In the medical field, this training dataset contains patient </a:t>
+            </a:r>
+            <a:r>
+              <a:rPr lang="en-NZ" sz="1200"/>
+              <a:t>data.</a:t>
+            </a:r>
+          </a:p>
+          <a:p>
+            <a:pPr marL="0" indent="0">
+              <a:lnSpc>
+                <a:spcPct val="150000"/>
+              </a:lnSpc>
+              <a:buNone/>
+            </a:pPr>
+            <a:endParaRPr lang="en-NZ" sz="1200" dirty="0"/>
           </a:p>
           <a:p>
             <a:pPr marL="0" indent="0" rtl="0">
@@ -3462,28 +3475,9 @@
               </a:spcAft>
               <a:buNone/>
             </a:pPr>
-            <a:endParaRPr lang="en-GB" sz="1200" dirty="0">
-              <a:solidFill>
-                <a:srgbClr val="000000"/>
-              </a:solidFill>
-            </a:endParaRPr>
-          </a:p>
-          <a:p>
-            <a:pPr marL="0" indent="0" rtl="0">
-              <a:lnSpc>
-                <a:spcPct val="150000"/>
-              </a:lnSpc>
-              <a:spcBef>
-                <a:spcPts val="0"/>
-              </a:spcBef>
-              <a:spcAft>
-                <a:spcPts val="0"/>
-              </a:spcAft>
-              <a:buNone/>
-            </a:pPr>
             <a:r>
               <a:rPr lang="en-GB" sz="1200" dirty="0"/>
-              <a:t>Medical and general informational privacy has been an concept that has been debated and dealt within traditional information and computational systems. There is an increasing need for a discussion of what this means for the future as machine learning demands more of our private data. Especially in the medical field, where this information is particularly sensitive.</a:t>
+              <a:t>Informational privacy has been an concept that has been debated and dealt within traditional information and computational systems. There is an increasing need for a discussion of what this means for the future as machine learning demands more of our private data. Especially in the medical field, where this information is particularly sensitive.</a:t>
             </a:r>
             <a:endParaRPr lang="en-NZ" sz="1200" dirty="0"/>
           </a:p>

--- a/Comp501_Stage3.pptx
+++ b/Comp501_Stage3.pptx
@@ -3377,7 +3377,7 @@
           <a:p>
             <a:r>
               <a:rPr lang="en-NZ" dirty="0"/>
-              <a:t>Implications on data privacy in the context of the training and creation of machine learning models</a:t>
+              <a:t>Implications on Data Privacy in the Context of the Training and Creation of Machine Learning Models</a:t>
             </a:r>
           </a:p>
         </p:txBody>
@@ -3418,7 +3418,7 @@
             </a:pPr>
             <a:r>
               <a:rPr lang="en-NZ" sz="1200" dirty="0"/>
-              <a:t>Privacy is a growing worry in the modern world. Part of this worry is our data being used for the training and creation of Artificial intelligence without our prior consent. </a:t>
+              <a:t>Privacy is a growing worry in the modern world. Part of this worry is our data being used for the training and creation of Artificial Intelligence without our prior consent. </a:t>
             </a:r>
             <a:r>
               <a:rPr lang="en-GB" sz="1200" dirty="0"/>
@@ -3446,11 +3446,7 @@
             </a:pPr>
             <a:r>
               <a:rPr lang="en-NZ" sz="1200" dirty="0"/>
-              <a:t>One example is in the medical field of Machine Learning. Machine learning itself requires a training dataset containing a large amount of data. In the medical field, this training dataset contains patient </a:t>
-            </a:r>
-            <a:r>
-              <a:rPr lang="en-NZ" sz="1200"/>
-              <a:t>data.</a:t>
+              <a:t>One example is in the medical field of Machine Learning. Machine learning itself requires a training dataset containing a large amount of data. In the medical field, this training dataset contains patient data.</a:t>
             </a:r>
           </a:p>
           <a:p>
@@ -3458,21 +3454,6 @@
               <a:lnSpc>
                 <a:spcPct val="150000"/>
               </a:lnSpc>
-              <a:buNone/>
-            </a:pPr>
-            <a:endParaRPr lang="en-NZ" sz="1200" dirty="0"/>
-          </a:p>
-          <a:p>
-            <a:pPr marL="0" indent="0" rtl="0">
-              <a:lnSpc>
-                <a:spcPct val="150000"/>
-              </a:lnSpc>
-              <a:spcBef>
-                <a:spcPts val="0"/>
-              </a:spcBef>
-              <a:spcAft>
-                <a:spcPts val="0"/>
-              </a:spcAft>
               <a:buNone/>
             </a:pPr>
             <a:r>

--- a/Comp501_Stage3.pptx
+++ b/Comp501_Stage3.pptx
@@ -261,7 +261,7 @@
           <a:p>
             <a:fld id="{27A35906-9064-42A5-B4C8-A064AA468049}" type="datetimeFigureOut">
               <a:rPr lang="en-NZ" smtClean="0"/>
-              <a:t>2/05/2022</a:t>
+              <a:t>6/05/2022</a:t>
             </a:fld>
             <a:endParaRPr lang="en-NZ"/>
           </a:p>
@@ -461,7 +461,7 @@
           <a:p>
             <a:fld id="{27A35906-9064-42A5-B4C8-A064AA468049}" type="datetimeFigureOut">
               <a:rPr lang="en-NZ" smtClean="0"/>
-              <a:t>2/05/2022</a:t>
+              <a:t>6/05/2022</a:t>
             </a:fld>
             <a:endParaRPr lang="en-NZ"/>
           </a:p>
@@ -671,7 +671,7 @@
           <a:p>
             <a:fld id="{27A35906-9064-42A5-B4C8-A064AA468049}" type="datetimeFigureOut">
               <a:rPr lang="en-NZ" smtClean="0"/>
-              <a:t>2/05/2022</a:t>
+              <a:t>6/05/2022</a:t>
             </a:fld>
             <a:endParaRPr lang="en-NZ"/>
           </a:p>
@@ -871,7 +871,7 @@
           <a:p>
             <a:fld id="{27A35906-9064-42A5-B4C8-A064AA468049}" type="datetimeFigureOut">
               <a:rPr lang="en-NZ" smtClean="0"/>
-              <a:t>2/05/2022</a:t>
+              <a:t>6/05/2022</a:t>
             </a:fld>
             <a:endParaRPr lang="en-NZ"/>
           </a:p>
@@ -1147,7 +1147,7 @@
           <a:p>
             <a:fld id="{27A35906-9064-42A5-B4C8-A064AA468049}" type="datetimeFigureOut">
               <a:rPr lang="en-NZ" smtClean="0"/>
-              <a:t>2/05/2022</a:t>
+              <a:t>6/05/2022</a:t>
             </a:fld>
             <a:endParaRPr lang="en-NZ"/>
           </a:p>
@@ -1415,7 +1415,7 @@
           <a:p>
             <a:fld id="{27A35906-9064-42A5-B4C8-A064AA468049}" type="datetimeFigureOut">
               <a:rPr lang="en-NZ" smtClean="0"/>
-              <a:t>2/05/2022</a:t>
+              <a:t>6/05/2022</a:t>
             </a:fld>
             <a:endParaRPr lang="en-NZ"/>
           </a:p>
@@ -1830,7 +1830,7 @@
           <a:p>
             <a:fld id="{27A35906-9064-42A5-B4C8-A064AA468049}" type="datetimeFigureOut">
               <a:rPr lang="en-NZ" smtClean="0"/>
-              <a:t>2/05/2022</a:t>
+              <a:t>6/05/2022</a:t>
             </a:fld>
             <a:endParaRPr lang="en-NZ"/>
           </a:p>
@@ -1972,7 +1972,7 @@
           <a:p>
             <a:fld id="{27A35906-9064-42A5-B4C8-A064AA468049}" type="datetimeFigureOut">
               <a:rPr lang="en-NZ" smtClean="0"/>
-              <a:t>2/05/2022</a:t>
+              <a:t>6/05/2022</a:t>
             </a:fld>
             <a:endParaRPr lang="en-NZ"/>
           </a:p>
@@ -2085,7 +2085,7 @@
           <a:p>
             <a:fld id="{27A35906-9064-42A5-B4C8-A064AA468049}" type="datetimeFigureOut">
               <a:rPr lang="en-NZ" smtClean="0"/>
-              <a:t>2/05/2022</a:t>
+              <a:t>6/05/2022</a:t>
             </a:fld>
             <a:endParaRPr lang="en-NZ"/>
           </a:p>
@@ -2398,7 +2398,7 @@
           <a:p>
             <a:fld id="{27A35906-9064-42A5-B4C8-A064AA468049}" type="datetimeFigureOut">
               <a:rPr lang="en-NZ" smtClean="0"/>
-              <a:t>2/05/2022</a:t>
+              <a:t>6/05/2022</a:t>
             </a:fld>
             <a:endParaRPr lang="en-NZ"/>
           </a:p>
@@ -2687,7 +2687,7 @@
           <a:p>
             <a:fld id="{27A35906-9064-42A5-B4C8-A064AA468049}" type="datetimeFigureOut">
               <a:rPr lang="en-NZ" smtClean="0"/>
-              <a:t>2/05/2022</a:t>
+              <a:t>6/05/2022</a:t>
             </a:fld>
             <a:endParaRPr lang="en-NZ"/>
           </a:p>
@@ -2930,7 +2930,7 @@
           <a:p>
             <a:fld id="{27A35906-9064-42A5-B4C8-A064AA468049}" type="datetimeFigureOut">
               <a:rPr lang="en-NZ" smtClean="0"/>
-              <a:t>2/05/2022</a:t>
+              <a:t>6/05/2022</a:t>
             </a:fld>
             <a:endParaRPr lang="en-NZ"/>
           </a:p>
@@ -3479,14 +3479,14 @@
           <p:nvPr>
             <p:extLst>
               <p:ext uri="{D42A27DB-BD31-4B8C-83A1-F6EECF244321}">
-                <p14:modId xmlns:p14="http://schemas.microsoft.com/office/powerpoint/2010/main" val="3831930333"/>
+                <p14:modId xmlns:p14="http://schemas.microsoft.com/office/powerpoint/2010/main" val="3494178402"/>
               </p:ext>
             </p:extLst>
           </p:nvPr>
         </p:nvGraphicFramePr>
         <p:xfrm>
-          <a:off x="3506599" y="4635538"/>
-          <a:ext cx="8464491" cy="2031894"/>
+          <a:off x="1863754" y="4316756"/>
+          <a:ext cx="8464491" cy="2390916"/>
         </p:xfrm>
         <a:graphic>
           <a:graphicData uri="http://schemas.openxmlformats.org/drawingml/2006/table">
@@ -3588,7 +3588,7 @@
                     <a:p>
                       <a:r>
                         <a:rPr lang="en-US" sz="1200" dirty="0"/>
-                        <a:t>Team Leader: management of course resources, repositories, submission and organization.</a:t>
+                        <a:t>Team Leader: management of course resources, repositories, submission and organization. Manages repository's to ensues no conflicts</a:t>
                       </a:r>
                       <a:endParaRPr lang="en-NZ" sz="1200" dirty="0"/>
                     </a:p>
@@ -3686,11 +3686,7 @@
                     <a:p>
                       <a:r>
                         <a:rPr lang="en-US" sz="1200" dirty="0"/>
-                        <a:t>Lead Web designer. Manage the design and development of the </a:t>
-                      </a:r>
-                      <a:r>
-                        <a:rPr lang="en-US" sz="1200"/>
-                        <a:t>web resources</a:t>
+                        <a:t>Lead Web designer/web master. Manage the design and development of the web resources as well as integrating changes</a:t>
                       </a:r>
                       <a:endParaRPr lang="en-NZ" sz="1200" dirty="0"/>
                     </a:p>

--- a/Comp501_Stage3.pptx
+++ b/Comp501_Stage3.pptx
@@ -6,6 +6,7 @@
   </p:sldMasterIdLst>
   <p:sldIdLst>
     <p:sldId id="258" r:id="rId2"/>
+    <p:sldId id="259" r:id="rId3"/>
   </p:sldIdLst>
   <p:sldSz cx="12192000" cy="6858000"/>
   <p:notesSz cx="6858000" cy="9144000"/>
@@ -3730,6 +3731,528 @@
 </p:sld>
 </file>
 
+<file path=ppt/slides/slide2.xml><?xml version="1.0" encoding="utf-8"?>
+<p:sld xmlns:a="http://schemas.openxmlformats.org/drawingml/2006/main" xmlns:r="http://schemas.openxmlformats.org/officeDocument/2006/relationships" xmlns:p="http://schemas.openxmlformats.org/presentationml/2006/main">
+  <p:cSld>
+    <p:spTree>
+      <p:nvGrpSpPr>
+        <p:cNvPr id="1" name=""/>
+        <p:cNvGrpSpPr/>
+        <p:nvPr/>
+      </p:nvGrpSpPr>
+      <p:grpSpPr>
+        <a:xfrm>
+          <a:off x="0" y="0"/>
+          <a:ext cx="0" cy="0"/>
+          <a:chOff x="0" y="0"/>
+          <a:chExt cx="0" cy="0"/>
+        </a:xfrm>
+      </p:grpSpPr>
+      <p:sp>
+        <p:nvSpPr>
+          <p:cNvPr id="2" name="Title 1">
+            <a:extLst>
+              <a:ext uri="{FF2B5EF4-FFF2-40B4-BE49-F238E27FC236}">
+                <a16:creationId xmlns:a16="http://schemas.microsoft.com/office/drawing/2014/main" id="{BF4F8D9A-F041-3319-EFE0-A2B1A36E90BF}"/>
+              </a:ext>
+            </a:extLst>
+          </p:cNvPr>
+          <p:cNvSpPr>
+            <a:spLocks noGrp="1"/>
+          </p:cNvSpPr>
+          <p:nvPr>
+            <p:ph type="title"/>
+          </p:nvPr>
+        </p:nvSpPr>
+        <p:spPr>
+          <a:xfrm>
+            <a:off x="114432" y="37689"/>
+            <a:ext cx="7780939" cy="1041159"/>
+          </a:xfrm>
+        </p:spPr>
+        <p:txBody>
+          <a:bodyPr>
+            <a:noAutofit/>
+          </a:bodyPr>
+          <a:lstStyle/>
+          <a:p>
+            <a:r>
+              <a:rPr lang="en-NZ" sz="2800" dirty="0"/>
+              <a:t>Implications on Data Privacy in the Context of the Training and Creation of Machine Learning Models</a:t>
+            </a:r>
+          </a:p>
+        </p:txBody>
+      </p:sp>
+      <p:sp>
+        <p:nvSpPr>
+          <p:cNvPr id="3" name="Content Placeholder 2">
+            <a:extLst>
+              <a:ext uri="{FF2B5EF4-FFF2-40B4-BE49-F238E27FC236}">
+                <a16:creationId xmlns:a16="http://schemas.microsoft.com/office/drawing/2014/main" id="{92D68A61-F13D-39F8-D56D-73A1D37B4322}"/>
+              </a:ext>
+            </a:extLst>
+          </p:cNvPr>
+          <p:cNvSpPr>
+            <a:spLocks noGrp="1"/>
+          </p:cNvSpPr>
+          <p:nvPr>
+            <p:ph idx="1"/>
+          </p:nvPr>
+        </p:nvSpPr>
+        <p:spPr>
+          <a:xfrm>
+            <a:off x="281679" y="1104557"/>
+            <a:ext cx="7676754" cy="5715753"/>
+          </a:xfrm>
+        </p:spPr>
+        <p:txBody>
+          <a:bodyPr>
+            <a:normAutofit fontScale="92500" lnSpcReduction="10000"/>
+          </a:bodyPr>
+          <a:lstStyle/>
+          <a:p>
+            <a:pPr marL="0" indent="0">
+              <a:buNone/>
+            </a:pPr>
+            <a:r>
+              <a:rPr lang="en-NZ" sz="1600" b="1" u="sng" dirty="0"/>
+              <a:t>Definition</a:t>
+            </a:r>
+          </a:p>
+          <a:p>
+            <a:pPr marL="0" indent="0">
+              <a:buNone/>
+            </a:pPr>
+            <a:r>
+              <a:rPr lang="en-NZ" sz="1600" dirty="0"/>
+              <a:t>Privacy is a growing worry in the modern world. Part of this worry is our data being used for the training and creation of Artificial Intelligence without our prior consent. </a:t>
+            </a:r>
+            <a:r>
+              <a:rPr lang="en-GB" sz="1600" dirty="0"/>
+              <a:t>With the growth of the field of machine learning and its effect on the modern computing field, it is important to consider its ethical implications stemming from its use of training datasets and the affect it has on information privacy and our right to confidentiality. (</a:t>
+            </a:r>
+            <a:r>
+              <a:rPr lang="en-NZ" sz="1700" dirty="0" err="1"/>
+              <a:t>Ruehle</a:t>
+            </a:r>
+            <a:r>
+              <a:rPr lang="en-NZ" sz="1700" dirty="0"/>
+              <a:t> et al., 2021</a:t>
+            </a:r>
+            <a:r>
+              <a:rPr lang="en-GB" sz="1600" dirty="0"/>
+              <a:t>)</a:t>
+            </a:r>
+          </a:p>
+          <a:p>
+            <a:pPr marL="0" indent="0">
+              <a:buNone/>
+            </a:pPr>
+            <a:r>
+              <a:rPr lang="en-NZ" sz="1600" b="1" u="sng" dirty="0"/>
+              <a:t>Importance</a:t>
+            </a:r>
+          </a:p>
+          <a:p>
+            <a:pPr marL="0" indent="0">
+              <a:buNone/>
+            </a:pPr>
+            <a:r>
+              <a:rPr lang="en-NZ" sz="1600" dirty="0"/>
+              <a:t>This is an important topic as Machine Learning becomes increasingly more complicated and demanding of our data. The choice of our topic comes from the little knowledge the average person has on how their data is being used. </a:t>
+            </a:r>
+          </a:p>
+          <a:p>
+            <a:pPr marL="0" indent="0">
+              <a:buNone/>
+            </a:pPr>
+            <a:r>
+              <a:rPr lang="en-NZ" sz="1600" dirty="0"/>
+              <a:t>There is also an importance in ensuring the data used to train medical and other AI is from an unbiased selection of people so that the AI doesn’t inherit the bias of the dataset. e.g. if a dataset was trained in majority elderly people the produced model might have a bias when recognising the same symptoms in younger patients. Because different groups have different ideas and understanding on data privacy; resulting models may use skewed data and in turn produce a skewed result.</a:t>
+            </a:r>
+            <a:endParaRPr lang="en-GB" sz="1600" dirty="0"/>
+          </a:p>
+          <a:p>
+            <a:pPr marL="0" indent="0">
+              <a:buNone/>
+            </a:pPr>
+            <a:r>
+              <a:rPr lang="en-NZ" sz="1600" b="1" u="sng" dirty="0"/>
+              <a:t>Justification</a:t>
+            </a:r>
+          </a:p>
+          <a:p>
+            <a:pPr marL="0" indent="0">
+              <a:buNone/>
+            </a:pPr>
+            <a:r>
+              <a:rPr lang="en-NZ" sz="1600" dirty="0"/>
+              <a:t>One example is in the medical field of Machine Learning. Machine learning itself requires a training dataset containing a large amount of data. In the medical field, this training dataset contains patient data.</a:t>
+            </a:r>
+            <a:r>
+              <a:rPr lang="en-GB" sz="1600" dirty="0"/>
+              <a:t> (</a:t>
+            </a:r>
+            <a:r>
+              <a:rPr lang="en-GB" sz="1600" dirty="0" err="1"/>
+              <a:t>Basu</a:t>
+            </a:r>
+            <a:r>
+              <a:rPr lang="en-GB" sz="1600" dirty="0"/>
+              <a:t> et al., 2020)</a:t>
+            </a:r>
+            <a:endParaRPr lang="en-NZ" sz="1600" dirty="0"/>
+          </a:p>
+          <a:p>
+            <a:pPr marL="0" indent="0">
+              <a:buNone/>
+            </a:pPr>
+            <a:r>
+              <a:rPr lang="en-GB" sz="1600" dirty="0"/>
+              <a:t>Informational privacy has been an concept that has been debated and dealt within traditional information and computational systems. There is an increasing need for a discussion of what this means for the future as machine learning demands more of our private data. Especially in the medical field, where this information is particularly sensitive.</a:t>
+            </a:r>
+          </a:p>
+        </p:txBody>
+      </p:sp>
+      <p:graphicFrame>
+        <p:nvGraphicFramePr>
+          <p:cNvPr id="5" name="Table 5">
+            <a:extLst>
+              <a:ext uri="{FF2B5EF4-FFF2-40B4-BE49-F238E27FC236}">
+                <a16:creationId xmlns:a16="http://schemas.microsoft.com/office/drawing/2014/main" id="{39919140-365B-8515-ABF1-BC961BA136D6}"/>
+              </a:ext>
+            </a:extLst>
+          </p:cNvPr>
+          <p:cNvGraphicFramePr>
+            <a:graphicFrameLocks noGrp="1"/>
+          </p:cNvGraphicFramePr>
+          <p:nvPr>
+            <p:extLst>
+              <p:ext uri="{D42A27DB-BD31-4B8C-83A1-F6EECF244321}">
+                <p14:modId xmlns:p14="http://schemas.microsoft.com/office/powerpoint/2010/main" val="3742104337"/>
+              </p:ext>
+            </p:extLst>
+          </p:nvPr>
+        </p:nvGraphicFramePr>
+        <p:xfrm>
+          <a:off x="7958433" y="121760"/>
+          <a:ext cx="4063648" cy="3042368"/>
+        </p:xfrm>
+        <a:graphic>
+          <a:graphicData uri="http://schemas.openxmlformats.org/drawingml/2006/table">
+            <a:tbl>
+              <a:tblPr firstRow="1" bandRow="1">
+                <a:tableStyleId>{073A0DAA-6AF3-43AB-8588-CEC1D06C72B9}</a:tableStyleId>
+              </a:tblPr>
+              <a:tblGrid>
+                <a:gridCol w="743613">
+                  <a:extLst>
+                    <a:ext uri="{9D8B030D-6E8A-4147-A177-3AD203B41FA5}">
+                      <a16:colId xmlns:a16="http://schemas.microsoft.com/office/drawing/2014/main" val="2178255540"/>
+                    </a:ext>
+                  </a:extLst>
+                </a:gridCol>
+                <a:gridCol w="3320035">
+                  <a:extLst>
+                    <a:ext uri="{9D8B030D-6E8A-4147-A177-3AD203B41FA5}">
+                      <a16:colId xmlns:a16="http://schemas.microsoft.com/office/drawing/2014/main" val="3207698097"/>
+                    </a:ext>
+                  </a:extLst>
+                </a:gridCol>
+              </a:tblGrid>
+              <a:tr h="345360">
+                <a:tc>
+                  <a:txBody>
+                    <a:bodyPr/>
+                    <a:lstStyle/>
+                    <a:p>
+                      <a:r>
+                        <a:rPr lang="en-NZ" sz="1500" dirty="0"/>
+                        <a:t>Name</a:t>
+                      </a:r>
+                    </a:p>
+                  </a:txBody>
+                  <a:tcPr/>
+                </a:tc>
+                <a:tc>
+                  <a:txBody>
+                    <a:bodyPr/>
+                    <a:lstStyle/>
+                    <a:p>
+                      <a:r>
+                        <a:rPr lang="en-NZ" sz="1500" dirty="0"/>
+                        <a:t>Roll</a:t>
+                      </a:r>
+                    </a:p>
+                  </a:txBody>
+                  <a:tcPr/>
+                </a:tc>
+                <a:extLst>
+                  <a:ext uri="{0D108BD9-81ED-4DB2-BD59-A6C34878D82A}">
+                    <a16:rowId xmlns:a16="http://schemas.microsoft.com/office/drawing/2014/main" val="3222925681"/>
+                  </a:ext>
+                </a:extLst>
+              </a:tr>
+              <a:tr h="949741">
+                <a:tc>
+                  <a:txBody>
+                    <a:bodyPr/>
+                    <a:lstStyle/>
+                    <a:p>
+                      <a:r>
+                        <a:rPr lang="en-NZ" sz="1500" dirty="0"/>
+                        <a:t>Joshua</a:t>
+                      </a:r>
+                    </a:p>
+                  </a:txBody>
+                  <a:tcPr/>
+                </a:tc>
+                <a:tc>
+                  <a:txBody>
+                    <a:bodyPr/>
+                    <a:lstStyle/>
+                    <a:p>
+                      <a:r>
+                        <a:rPr lang="en-US" sz="1500" dirty="0"/>
+                        <a:t>Team Leader: management of course resources, repositories, submission and organization. Manages repository's to ensues no conflicts</a:t>
+                      </a:r>
+                      <a:endParaRPr lang="en-NZ" sz="1500" dirty="0"/>
+                    </a:p>
+                  </a:txBody>
+                  <a:tcPr/>
+                </a:tc>
+                <a:extLst>
+                  <a:ext uri="{0D108BD9-81ED-4DB2-BD59-A6C34878D82A}">
+                    <a16:rowId xmlns:a16="http://schemas.microsoft.com/office/drawing/2014/main" val="1686527490"/>
+                  </a:ext>
+                </a:extLst>
+              </a:tr>
+              <a:tr h="518040">
+                <a:tc>
+                  <a:txBody>
+                    <a:bodyPr/>
+                    <a:lstStyle/>
+                    <a:p>
+                      <a:r>
+                        <a:rPr lang="en-NZ" sz="1500" dirty="0"/>
+                        <a:t>Lily</a:t>
+                      </a:r>
+                    </a:p>
+                  </a:txBody>
+                  <a:tcPr/>
+                </a:tc>
+                <a:tc>
+                  <a:txBody>
+                    <a:bodyPr/>
+                    <a:lstStyle/>
+                    <a:p>
+                      <a:pPr marL="0" marR="0" lvl="0" indent="0" algn="l" defTabSz="914400" rtl="0" eaLnBrk="1" fontAlgn="auto" latinLnBrk="0" hangingPunct="1">
+                        <a:lnSpc>
+                          <a:spcPct val="100000"/>
+                        </a:lnSpc>
+                        <a:spcBef>
+                          <a:spcPts val="0"/>
+                        </a:spcBef>
+                        <a:spcAft>
+                          <a:spcPts val="0"/>
+                        </a:spcAft>
+                        <a:buClrTx/>
+                        <a:buSzTx/>
+                        <a:buFontTx/>
+                        <a:buNone/>
+                        <a:tabLst/>
+                        <a:defRPr/>
+                      </a:pPr>
+                      <a:r>
+                        <a:rPr lang="en-US" sz="1500" dirty="0"/>
+                        <a:t>Lead Editor:  Grammar, spelling and formatting, and text review.</a:t>
+                      </a:r>
+                      <a:endParaRPr lang="en-NZ" sz="1500" dirty="0"/>
+                    </a:p>
+                  </a:txBody>
+                  <a:tcPr/>
+                </a:tc>
+                <a:extLst>
+                  <a:ext uri="{0D108BD9-81ED-4DB2-BD59-A6C34878D82A}">
+                    <a16:rowId xmlns:a16="http://schemas.microsoft.com/office/drawing/2014/main" val="1685758688"/>
+                  </a:ext>
+                </a:extLst>
+              </a:tr>
+              <a:tr h="1142528">
+                <a:tc>
+                  <a:txBody>
+                    <a:bodyPr/>
+                    <a:lstStyle/>
+                    <a:p>
+                      <a:r>
+                        <a:rPr lang="en-NZ" sz="1500" dirty="0"/>
+                        <a:t>Jared</a:t>
+                      </a:r>
+                    </a:p>
+                  </a:txBody>
+                  <a:tcPr/>
+                </a:tc>
+                <a:tc>
+                  <a:txBody>
+                    <a:bodyPr/>
+                    <a:lstStyle/>
+                    <a:p>
+                      <a:pPr marL="0" marR="0" lvl="0" indent="0" algn="l" defTabSz="914400" rtl="0" eaLnBrk="1" fontAlgn="auto" latinLnBrk="0" hangingPunct="1">
+                        <a:lnSpc>
+                          <a:spcPct val="100000"/>
+                        </a:lnSpc>
+                        <a:spcBef>
+                          <a:spcPts val="0"/>
+                        </a:spcBef>
+                        <a:spcAft>
+                          <a:spcPts val="0"/>
+                        </a:spcAft>
+                        <a:buClrTx/>
+                        <a:buSzTx/>
+                        <a:buFontTx/>
+                        <a:buNone/>
+                        <a:tabLst/>
+                        <a:defRPr/>
+                      </a:pPr>
+                      <a:r>
+                        <a:rPr lang="en-US" sz="1500" dirty="0"/>
+                        <a:t>Lead Web designer/web master. Manage the design and development of the web resources as well as integrating changes</a:t>
+                      </a:r>
+                      <a:endParaRPr lang="en-NZ" sz="1500" dirty="0"/>
+                    </a:p>
+                  </a:txBody>
+                  <a:tcPr/>
+                </a:tc>
+                <a:extLst>
+                  <a:ext uri="{0D108BD9-81ED-4DB2-BD59-A6C34878D82A}">
+                    <a16:rowId xmlns:a16="http://schemas.microsoft.com/office/drawing/2014/main" val="2479995157"/>
+                  </a:ext>
+                </a:extLst>
+              </a:tr>
+            </a:tbl>
+          </a:graphicData>
+        </a:graphic>
+      </p:graphicFrame>
+      <p:sp>
+        <p:nvSpPr>
+          <p:cNvPr id="6" name="TextBox 5">
+            <a:extLst>
+              <a:ext uri="{FF2B5EF4-FFF2-40B4-BE49-F238E27FC236}">
+                <a16:creationId xmlns:a16="http://schemas.microsoft.com/office/drawing/2014/main" id="{BD4883AC-6A55-589A-5C68-385F2F6764FD}"/>
+              </a:ext>
+            </a:extLst>
+          </p:cNvPr>
+          <p:cNvSpPr txBox="1"/>
+          <p:nvPr/>
+        </p:nvSpPr>
+        <p:spPr>
+          <a:xfrm>
+            <a:off x="7958433" y="3189838"/>
+            <a:ext cx="4019504" cy="3385542"/>
+          </a:xfrm>
+          <a:prstGeom prst="rect">
+            <a:avLst/>
+          </a:prstGeom>
+          <a:noFill/>
+        </p:spPr>
+        <p:txBody>
+          <a:bodyPr wrap="square" rtlCol="0">
+            <a:spAutoFit/>
+          </a:bodyPr>
+          <a:lstStyle/>
+          <a:p>
+            <a:r>
+              <a:rPr lang="en-NZ" sz="1800" b="1" u="sng" dirty="0"/>
+              <a:t>References</a:t>
+            </a:r>
+            <a:br>
+              <a:rPr lang="en-NZ" dirty="0"/>
+            </a:br>
+            <a:r>
+              <a:rPr lang="en-GB" sz="1400" dirty="0" err="1"/>
+              <a:t>Basu</a:t>
+            </a:r>
+            <a:r>
+              <a:rPr lang="en-GB" sz="1400" dirty="0"/>
+              <a:t>, K., Sinha, R., Ong, A., &amp; </a:t>
+            </a:r>
+            <a:r>
+              <a:rPr lang="en-GB" sz="1400" dirty="0" err="1"/>
+              <a:t>Basu</a:t>
+            </a:r>
+            <a:r>
+              <a:rPr lang="en-GB" sz="1400" dirty="0"/>
+              <a:t>, T. (2020). Artificial Intelligence: How is It Changing Medical Sciences and Its Future? Indian Journal of Dermatology, 65(5), 365–370.</a:t>
+            </a:r>
+          </a:p>
+          <a:p>
+            <a:endParaRPr lang="en-GB" sz="1400" dirty="0"/>
+          </a:p>
+          <a:p>
+            <a:pPr rtl="0">
+              <a:spcBef>
+                <a:spcPts val="0"/>
+              </a:spcBef>
+              <a:spcAft>
+                <a:spcPts val="0"/>
+              </a:spcAft>
+            </a:pPr>
+            <a:r>
+              <a:rPr lang="en-NZ" sz="1400" dirty="0" err="1"/>
+              <a:t>Ruehle</a:t>
+            </a:r>
+            <a:r>
+              <a:rPr lang="en-NZ" sz="1400" dirty="0"/>
+              <a:t>, V., Sim, R., </a:t>
+            </a:r>
+            <a:r>
+              <a:rPr lang="en-NZ" sz="1400" dirty="0" err="1"/>
+              <a:t>Yekhanin</a:t>
+            </a:r>
+            <a:r>
+              <a:rPr lang="en-NZ" sz="1400" dirty="0"/>
+              <a:t>, S., Chandran, N., Chase, M., Jones, D., Laine, K., </a:t>
+            </a:r>
+            <a:r>
+              <a:rPr lang="en-NZ" sz="1400" dirty="0" err="1"/>
+              <a:t>Köpf</a:t>
+            </a:r>
+            <a:r>
+              <a:rPr lang="en-NZ" sz="1400" dirty="0"/>
+              <a:t>, B.,  </a:t>
+            </a:r>
+            <a:r>
+              <a:rPr lang="en-NZ" sz="1400" dirty="0" err="1"/>
+              <a:t>Teevan</a:t>
+            </a:r>
+            <a:r>
+              <a:rPr lang="en-NZ" sz="1400" dirty="0"/>
+              <a:t>, J.,  </a:t>
+            </a:r>
+            <a:r>
+              <a:rPr lang="en-NZ" sz="1400" dirty="0" err="1"/>
+              <a:t>Kleewein</a:t>
+            </a:r>
+            <a:r>
+              <a:rPr lang="en-NZ" sz="1400" dirty="0"/>
+              <a:t>, J., &amp; Rajmohan, S. (2021). Privacy Preserving Machine Learning: Maintaining confidentiality and preserving trust. https://www.microsoft.com/en-us/research/blog/privacy-preserving-machine-learning-maintaining-confidentiality-and-preserving-trust/</a:t>
+            </a:r>
+          </a:p>
+        </p:txBody>
+      </p:sp>
+    </p:spTree>
+    <p:extLst>
+      <p:ext uri="{BB962C8B-B14F-4D97-AF65-F5344CB8AC3E}">
+        <p14:creationId xmlns:p14="http://schemas.microsoft.com/office/powerpoint/2010/main" val="2871495563"/>
+      </p:ext>
+    </p:extLst>
+  </p:cSld>
+  <p:clrMapOvr>
+    <a:masterClrMapping/>
+  </p:clrMapOvr>
+</p:sld>
+</file>
+
 <file path=ppt/theme/theme1.xml><?xml version="1.0" encoding="utf-8"?>
 <a:theme xmlns:a="http://schemas.openxmlformats.org/drawingml/2006/main" name="Office Theme">
   <a:themeElements>

--- a/Comp501_Stage3.pptx
+++ b/Comp501_Stage3.pptx
@@ -5,8 +5,7 @@
     <p:sldMasterId id="2147483648" r:id="rId1"/>
   </p:sldMasterIdLst>
   <p:sldIdLst>
-    <p:sldId id="258" r:id="rId2"/>
-    <p:sldId id="259" r:id="rId3"/>
+    <p:sldId id="259" r:id="rId2"/>
   </p:sldIdLst>
   <p:sldSz cx="12192000" cy="6858000"/>
   <p:notesSz cx="6858000" cy="9144000"/>
@@ -3353,406 +3352,6 @@
           <p:cNvPr id="2" name="Title 1">
             <a:extLst>
               <a:ext uri="{FF2B5EF4-FFF2-40B4-BE49-F238E27FC236}">
-                <a16:creationId xmlns:a16="http://schemas.microsoft.com/office/drawing/2014/main" id="{95C0E39A-C465-4DA4-BE47-34C70E50DCD1}"/>
-              </a:ext>
-            </a:extLst>
-          </p:cNvPr>
-          <p:cNvSpPr>
-            <a:spLocks noGrp="1"/>
-          </p:cNvSpPr>
-          <p:nvPr>
-            <p:ph type="title"/>
-          </p:nvPr>
-        </p:nvSpPr>
-        <p:spPr>
-          <a:xfrm>
-            <a:off x="838199" y="365126"/>
-            <a:ext cx="10671495" cy="960336"/>
-          </a:xfrm>
-        </p:spPr>
-        <p:txBody>
-          <a:bodyPr>
-            <a:normAutofit fontScale="90000"/>
-          </a:bodyPr>
-          <a:lstStyle/>
-          <a:p>
-            <a:r>
-              <a:rPr lang="en-NZ" dirty="0"/>
-              <a:t>Implications on Data Privacy in the Context of the Training and Creation of Machine Learning Models</a:t>
-            </a:r>
-          </a:p>
-        </p:txBody>
-      </p:sp>
-      <p:sp>
-        <p:nvSpPr>
-          <p:cNvPr id="3" name="Content Placeholder 2">
-            <a:extLst>
-              <a:ext uri="{FF2B5EF4-FFF2-40B4-BE49-F238E27FC236}">
-                <a16:creationId xmlns:a16="http://schemas.microsoft.com/office/drawing/2014/main" id="{1EEC190F-82D0-43B8-96B3-B77270DDA170}"/>
-              </a:ext>
-            </a:extLst>
-          </p:cNvPr>
-          <p:cNvSpPr>
-            <a:spLocks noGrp="1"/>
-          </p:cNvSpPr>
-          <p:nvPr>
-            <p:ph idx="1"/>
-          </p:nvPr>
-        </p:nvSpPr>
-        <p:spPr>
-          <a:xfrm>
-            <a:off x="645252" y="1459682"/>
-            <a:ext cx="11325838" cy="3117133"/>
-          </a:xfrm>
-        </p:spPr>
-        <p:txBody>
-          <a:bodyPr>
-            <a:noAutofit/>
-          </a:bodyPr>
-          <a:lstStyle/>
-          <a:p>
-            <a:pPr marL="0" indent="0">
-              <a:lnSpc>
-                <a:spcPct val="150000"/>
-              </a:lnSpc>
-              <a:buNone/>
-            </a:pPr>
-            <a:r>
-              <a:rPr lang="en-NZ" sz="1200" dirty="0"/>
-              <a:t>Privacy is a growing worry in the modern world. Part of this worry is our data being used for the training and creation of Artificial Intelligence without our prior consent. </a:t>
-            </a:r>
-            <a:r>
-              <a:rPr lang="en-GB" sz="1200" dirty="0"/>
-              <a:t>With the growth of the field of machine learning and its effect on the modern computing field, it is important to consider its ethical implications stemming from its use of training datasets and the affect it has on information privacy and our right to confidentiality.</a:t>
-            </a:r>
-          </a:p>
-          <a:p>
-            <a:pPr marL="0" indent="0">
-              <a:lnSpc>
-                <a:spcPct val="150000"/>
-              </a:lnSpc>
-              <a:buNone/>
-            </a:pPr>
-            <a:r>
-              <a:rPr lang="en-NZ" sz="1200" dirty="0"/>
-              <a:t>This is an important topic as Machine Learning becomes increasingly more complicated and demanding of our data. The choice of our topic comes from the little knowledge the average person has on how their data is being used.</a:t>
-            </a:r>
-          </a:p>
-          <a:p>
-            <a:pPr marL="0" indent="0">
-              <a:lnSpc>
-                <a:spcPct val="150000"/>
-              </a:lnSpc>
-              <a:buNone/>
-            </a:pPr>
-            <a:r>
-              <a:rPr lang="en-NZ" sz="1200" dirty="0"/>
-              <a:t>One example is in the medical field of Machine Learning. Machine learning itself requires a training dataset containing a large amount of data. In the medical field, this training dataset contains patient data.</a:t>
-            </a:r>
-          </a:p>
-          <a:p>
-            <a:pPr marL="0" indent="0">
-              <a:lnSpc>
-                <a:spcPct val="150000"/>
-              </a:lnSpc>
-              <a:buNone/>
-            </a:pPr>
-            <a:r>
-              <a:rPr lang="en-GB" sz="1200" dirty="0"/>
-              <a:t>Informational privacy has been an concept that has been debated and dealt within traditional information and computational systems. There is an increasing need for a discussion of what this means for the future as machine learning demands more of our private data. Especially in the medical field, where this information is particularly sensitive.</a:t>
-            </a:r>
-            <a:endParaRPr lang="en-NZ" sz="1200" dirty="0"/>
-          </a:p>
-        </p:txBody>
-      </p:sp>
-      <p:graphicFrame>
-        <p:nvGraphicFramePr>
-          <p:cNvPr id="4" name="Table 4">
-            <a:extLst>
-              <a:ext uri="{FF2B5EF4-FFF2-40B4-BE49-F238E27FC236}">
-                <a16:creationId xmlns:a16="http://schemas.microsoft.com/office/drawing/2014/main" id="{054D2CA9-C619-4E78-9C9E-161F77AF6B68}"/>
-              </a:ext>
-            </a:extLst>
-          </p:cNvPr>
-          <p:cNvGraphicFramePr>
-            <a:graphicFrameLocks noGrp="1"/>
-          </p:cNvGraphicFramePr>
-          <p:nvPr>
-            <p:extLst>
-              <p:ext uri="{D42A27DB-BD31-4B8C-83A1-F6EECF244321}">
-                <p14:modId xmlns:p14="http://schemas.microsoft.com/office/powerpoint/2010/main" val="3494178402"/>
-              </p:ext>
-            </p:extLst>
-          </p:nvPr>
-        </p:nvGraphicFramePr>
-        <p:xfrm>
-          <a:off x="1863754" y="4316756"/>
-          <a:ext cx="8464491" cy="2390916"/>
-        </p:xfrm>
-        <a:graphic>
-          <a:graphicData uri="http://schemas.openxmlformats.org/drawingml/2006/table">
-            <a:tbl>
-              <a:tblPr firstRow="1" bandRow="1">
-                <a:tableStyleId>{5C22544A-7EE6-4342-B048-85BDC9FD1C3A}</a:tableStyleId>
-              </a:tblPr>
-              <a:tblGrid>
-                <a:gridCol w="2821497">
-                  <a:extLst>
-                    <a:ext uri="{9D8B030D-6E8A-4147-A177-3AD203B41FA5}">
-                      <a16:colId xmlns:a16="http://schemas.microsoft.com/office/drawing/2014/main" val="2230517064"/>
-                    </a:ext>
-                  </a:extLst>
-                </a:gridCol>
-                <a:gridCol w="2821497">
-                  <a:extLst>
-                    <a:ext uri="{9D8B030D-6E8A-4147-A177-3AD203B41FA5}">
-                      <a16:colId xmlns:a16="http://schemas.microsoft.com/office/drawing/2014/main" val="1151228475"/>
-                    </a:ext>
-                  </a:extLst>
-                </a:gridCol>
-                <a:gridCol w="2821497">
-                  <a:extLst>
-                    <a:ext uri="{9D8B030D-6E8A-4147-A177-3AD203B41FA5}">
-                      <a16:colId xmlns:a16="http://schemas.microsoft.com/office/drawing/2014/main" val="2403687304"/>
-                    </a:ext>
-                  </a:extLst>
-                </a:gridCol>
-              </a:tblGrid>
-              <a:tr h="463938">
-                <a:tc>
-                  <a:txBody>
-                    <a:bodyPr/>
-                    <a:lstStyle/>
-                    <a:p>
-                      <a:r>
-                        <a:rPr lang="en-US" sz="1200" dirty="0"/>
-                        <a:t>Team Member</a:t>
-                      </a:r>
-                      <a:endParaRPr lang="en-NZ" sz="1200" dirty="0"/>
-                    </a:p>
-                  </a:txBody>
-                  <a:tcPr/>
-                </a:tc>
-                <a:tc>
-                  <a:txBody>
-                    <a:bodyPr/>
-                    <a:lstStyle/>
-                    <a:p>
-                      <a:r>
-                        <a:rPr lang="en-US" sz="1200" dirty="0"/>
-                        <a:t>Roll</a:t>
-                      </a:r>
-                      <a:endParaRPr lang="en-NZ" sz="1200" dirty="0"/>
-                    </a:p>
-                  </a:txBody>
-                  <a:tcPr/>
-                </a:tc>
-                <a:tc>
-                  <a:txBody>
-                    <a:bodyPr/>
-                    <a:lstStyle/>
-                    <a:p>
-                      <a:r>
-                        <a:rPr lang="en-US" sz="1200" dirty="0"/>
-                        <a:t>Roll</a:t>
-                      </a:r>
-                      <a:endParaRPr lang="en-NZ" sz="1200" dirty="0"/>
-                    </a:p>
-                  </a:txBody>
-                  <a:tcPr/>
-                </a:tc>
-                <a:extLst>
-                  <a:ext uri="{0D108BD9-81ED-4DB2-BD59-A6C34878D82A}">
-                    <a16:rowId xmlns:a16="http://schemas.microsoft.com/office/drawing/2014/main" val="2752758063"/>
-                  </a:ext>
-                </a:extLst>
-              </a:tr>
-              <a:tr h="463938">
-                <a:tc>
-                  <a:txBody>
-                    <a:bodyPr/>
-                    <a:lstStyle/>
-                    <a:p>
-                      <a:r>
-                        <a:rPr lang="en-US" sz="1200" dirty="0"/>
-                        <a:t>Joshua Green</a:t>
-                      </a:r>
-                      <a:endParaRPr lang="en-NZ" sz="1200" dirty="0"/>
-                    </a:p>
-                  </a:txBody>
-                  <a:tcPr/>
-                </a:tc>
-                <a:tc>
-                  <a:txBody>
-                    <a:bodyPr/>
-                    <a:lstStyle/>
-                    <a:p>
-                      <a:r>
-                        <a:rPr lang="en-US" sz="1200" dirty="0"/>
-                        <a:t>Team Leader: management of course resources, repositories, submission and organization. Manages repository's to ensues no conflicts</a:t>
-                      </a:r>
-                      <a:endParaRPr lang="en-NZ" sz="1200" dirty="0"/>
-                    </a:p>
-                  </a:txBody>
-                  <a:tcPr/>
-                </a:tc>
-                <a:tc>
-                  <a:txBody>
-                    <a:bodyPr/>
-                    <a:lstStyle/>
-                    <a:p>
-                      <a:r>
-                        <a:rPr lang="en-US" sz="1200" dirty="0"/>
-                        <a:t>Co Writer: Research and create documents, text and resources. </a:t>
-                      </a:r>
-                      <a:endParaRPr lang="en-NZ" sz="1200" dirty="0"/>
-                    </a:p>
-                  </a:txBody>
-                  <a:tcPr/>
-                </a:tc>
-                <a:extLst>
-                  <a:ext uri="{0D108BD9-81ED-4DB2-BD59-A6C34878D82A}">
-                    <a16:rowId xmlns:a16="http://schemas.microsoft.com/office/drawing/2014/main" val="3656749354"/>
-                  </a:ext>
-                </a:extLst>
-              </a:tr>
-              <a:tr h="463938">
-                <a:tc>
-                  <a:txBody>
-                    <a:bodyPr/>
-                    <a:lstStyle/>
-                    <a:p>
-                      <a:r>
-                        <a:rPr lang="en-US" sz="1200" dirty="0"/>
-                        <a:t>Lily</a:t>
-                      </a:r>
-                      <a:endParaRPr lang="en-NZ" sz="1200" dirty="0"/>
-                    </a:p>
-                  </a:txBody>
-                  <a:tcPr/>
-                </a:tc>
-                <a:tc>
-                  <a:txBody>
-                    <a:bodyPr/>
-                    <a:lstStyle/>
-                    <a:p>
-                      <a:r>
-                        <a:rPr lang="en-US" sz="1200" dirty="0"/>
-                        <a:t>Lead Editor:  Grammar, spelling and formatting, and text review.</a:t>
-                      </a:r>
-                      <a:endParaRPr lang="en-NZ" sz="1200" dirty="0"/>
-                    </a:p>
-                  </a:txBody>
-                  <a:tcPr/>
-                </a:tc>
-                <a:tc>
-                  <a:txBody>
-                    <a:bodyPr/>
-                    <a:lstStyle/>
-                    <a:p>
-                      <a:r>
-                        <a:rPr lang="en-US" sz="1200" dirty="0"/>
-                        <a:t>Co Writer: Research and create documents, text and resources. </a:t>
-                      </a:r>
-                      <a:endParaRPr lang="en-NZ" sz="1200" dirty="0"/>
-                    </a:p>
-                  </a:txBody>
-                  <a:tcPr/>
-                </a:tc>
-                <a:extLst>
-                  <a:ext uri="{0D108BD9-81ED-4DB2-BD59-A6C34878D82A}">
-                    <a16:rowId xmlns:a16="http://schemas.microsoft.com/office/drawing/2014/main" val="4188482074"/>
-                  </a:ext>
-                </a:extLst>
-              </a:tr>
-              <a:tr h="463938">
-                <a:tc>
-                  <a:txBody>
-                    <a:bodyPr/>
-                    <a:lstStyle/>
-                    <a:p>
-                      <a:r>
-                        <a:rPr lang="en-US" sz="1200" dirty="0"/>
-                        <a:t>Jared</a:t>
-                      </a:r>
-                      <a:endParaRPr lang="en-NZ" sz="1200" dirty="0"/>
-                    </a:p>
-                  </a:txBody>
-                  <a:tcPr/>
-                </a:tc>
-                <a:tc>
-                  <a:txBody>
-                    <a:bodyPr/>
-                    <a:lstStyle/>
-                    <a:p>
-                      <a:r>
-                        <a:rPr lang="en-US" sz="1200" dirty="0"/>
-                        <a:t>Lead Web designer/web master. Manage the design and development of the web resources as well as integrating changes</a:t>
-                      </a:r>
-                      <a:endParaRPr lang="en-NZ" sz="1200" dirty="0"/>
-                    </a:p>
-                  </a:txBody>
-                  <a:tcPr/>
-                </a:tc>
-                <a:tc>
-                  <a:txBody>
-                    <a:bodyPr/>
-                    <a:lstStyle/>
-                    <a:p>
-                      <a:r>
-                        <a:rPr lang="en-US" sz="1200" dirty="0"/>
-                        <a:t>Co Writer: Research and create documents, text and resources. </a:t>
-                      </a:r>
-                      <a:endParaRPr lang="en-NZ" sz="1200" dirty="0"/>
-                    </a:p>
-                  </a:txBody>
-                  <a:tcPr/>
-                </a:tc>
-                <a:extLst>
-                  <a:ext uri="{0D108BD9-81ED-4DB2-BD59-A6C34878D82A}">
-                    <a16:rowId xmlns:a16="http://schemas.microsoft.com/office/drawing/2014/main" val="819641454"/>
-                  </a:ext>
-                </a:extLst>
-              </a:tr>
-            </a:tbl>
-          </a:graphicData>
-        </a:graphic>
-      </p:graphicFrame>
-    </p:spTree>
-    <p:extLst>
-      <p:ext uri="{BB962C8B-B14F-4D97-AF65-F5344CB8AC3E}">
-        <p14:creationId xmlns:p14="http://schemas.microsoft.com/office/powerpoint/2010/main" val="392838560"/>
-      </p:ext>
-    </p:extLst>
-  </p:cSld>
-  <p:clrMapOvr>
-    <a:masterClrMapping/>
-  </p:clrMapOvr>
-</p:sld>
-</file>
-
-<file path=ppt/slides/slide2.xml><?xml version="1.0" encoding="utf-8"?>
-<p:sld xmlns:a="http://schemas.openxmlformats.org/drawingml/2006/main" xmlns:r="http://schemas.openxmlformats.org/officeDocument/2006/relationships" xmlns:p="http://schemas.openxmlformats.org/presentationml/2006/main">
-  <p:cSld>
-    <p:spTree>
-      <p:nvGrpSpPr>
-        <p:cNvPr id="1" name=""/>
-        <p:cNvGrpSpPr/>
-        <p:nvPr/>
-      </p:nvGrpSpPr>
-      <p:grpSpPr>
-        <a:xfrm>
-          <a:off x="0" y="0"/>
-          <a:ext cx="0" cy="0"/>
-          <a:chOff x="0" y="0"/>
-          <a:chExt cx="0" cy="0"/>
-        </a:xfrm>
-      </p:grpSpPr>
-      <p:sp>
-        <p:nvSpPr>
-          <p:cNvPr id="2" name="Title 1">
-            <a:extLst>
-              <a:ext uri="{FF2B5EF4-FFF2-40B4-BE49-F238E27FC236}">
                 <a16:creationId xmlns:a16="http://schemas.microsoft.com/office/drawing/2014/main" id="{BF4F8D9A-F041-3319-EFE0-A2B1A36E90BF}"/>
               </a:ext>
             </a:extLst>
@@ -3801,7 +3400,7 @@
         </p:nvSpPr>
         <p:spPr>
           <a:xfrm>
-            <a:off x="281679" y="1104557"/>
+            <a:off x="218617" y="946901"/>
             <a:ext cx="7676754" cy="5715753"/>
           </a:xfrm>
         </p:spPr>
@@ -3868,7 +3467,7 @@
             </a:pPr>
             <a:r>
               <a:rPr lang="en-NZ" sz="1600" dirty="0"/>
-              <a:t>There is also an importance in ensuring the data used to train medical and other AI is from an unbiased selection of people so that the AI doesn’t inherit the bias of the dataset. e.g. if a dataset was trained in majority elderly people the produced model might have a bias when recognising the same symptoms in younger patients. Because different groups have different ideas and understanding on data privacy; resulting models may use skewed data and in turn produce a skewed result.</a:t>
+              <a:t>There is also an importance in ensuring the data used to train medical and other AI is from an unbiased selection of people so that the AI doesn’t inherit the bias of the dataset. e.g. if a dataset was trained in majority elderly people the produced model may have a bias when recognising the same symptoms in younger patients. Because different groups have different ideas and understanding on data privacy; resulting models may use skewed data and in turn produce a skewed result.</a:t>
             </a:r>
             <a:endParaRPr lang="en-GB" sz="1600" dirty="0"/>
           </a:p>
@@ -3911,6 +3510,22 @@
               <a:rPr lang="en-GB" sz="1600" dirty="0"/>
               <a:t>Informational privacy has been an concept that has been debated and dealt within traditional information and computational systems. There is an increasing need for a discussion of what this means for the future as machine learning demands more of our private data. Especially in the medical field, where this information is particularly sensitive.</a:t>
             </a:r>
+          </a:p>
+          <a:p>
+            <a:pPr marL="0" indent="0">
+              <a:buNone/>
+            </a:pPr>
+            <a:r>
+              <a:rPr lang="en-NZ" sz="1700" dirty="0"/>
+              <a:t>Link to repository: </a:t>
+            </a:r>
+            <a:r>
+              <a:rPr lang="en-NZ" sz="1700" dirty="0">
+                <a:hlinkClick r:id="rId2"/>
+              </a:rPr>
+              <a:t>https://github.com/noclue-org/portfolio</a:t>
+            </a:r>
+            <a:endParaRPr lang="en-GB" sz="1700" dirty="0"/>
           </a:p>
         </p:txBody>
       </p:sp>
@@ -3929,20 +3544,20 @@
           <p:nvPr>
             <p:extLst>
               <p:ext uri="{D42A27DB-BD31-4B8C-83A1-F6EECF244321}">
-                <p14:modId xmlns:p14="http://schemas.microsoft.com/office/powerpoint/2010/main" val="3742104337"/>
+                <p14:modId xmlns:p14="http://schemas.microsoft.com/office/powerpoint/2010/main" val="4015328058"/>
               </p:ext>
             </p:extLst>
           </p:nvPr>
         </p:nvGraphicFramePr>
         <p:xfrm>
-          <a:off x="7958433" y="121760"/>
-          <a:ext cx="4063648" cy="3042368"/>
+          <a:off x="7909735" y="182880"/>
+          <a:ext cx="4063648" cy="3246120"/>
         </p:xfrm>
         <a:graphic>
           <a:graphicData uri="http://schemas.openxmlformats.org/drawingml/2006/table">
             <a:tbl>
               <a:tblPr firstRow="1" bandRow="1">
-                <a:tableStyleId>{073A0DAA-6AF3-43AB-8588-CEC1D06C72B9}</a:tableStyleId>
+                <a:tableStyleId>{5940675A-B579-460E-94D1-54222C63F5DA}</a:tableStyleId>
               </a:tblPr>
               <a:tblGrid>
                 <a:gridCol w="743613">
@@ -3960,39 +3575,6 @@
                   </a:extLst>
                 </a:gridCol>
               </a:tblGrid>
-              <a:tr h="345360">
-                <a:tc>
-                  <a:txBody>
-                    <a:bodyPr/>
-                    <a:lstStyle/>
-                    <a:p>
-                      <a:r>
-                        <a:rPr lang="en-NZ" sz="1500" dirty="0"/>
-                        <a:t>Name</a:t>
-                      </a:r>
-                    </a:p>
-                  </a:txBody>
-                  <a:tcPr/>
-                </a:tc>
-                <a:tc>
-                  <a:txBody>
-                    <a:bodyPr/>
-                    <a:lstStyle/>
-                    <a:p>
-                      <a:r>
-                        <a:rPr lang="en-NZ" sz="1500" dirty="0"/>
-                        <a:t>Roll</a:t>
-                      </a:r>
-                    </a:p>
-                  </a:txBody>
-                  <a:tcPr/>
-                </a:tc>
-                <a:extLst>
-                  <a:ext uri="{0D108BD9-81ED-4DB2-BD59-A6C34878D82A}">
-                    <a16:rowId xmlns:a16="http://schemas.microsoft.com/office/drawing/2014/main" val="3222925681"/>
-                  </a:ext>
-                </a:extLst>
-              </a:tr>
               <a:tr h="949741">
                 <a:tc>
                   <a:txBody>
@@ -4000,7 +3582,7 @@
                     <a:lstStyle/>
                     <a:p>
                       <a:r>
-                        <a:rPr lang="en-NZ" sz="1500" dirty="0"/>
+                        <a:rPr lang="en-NZ" sz="1500" b="1" dirty="0"/>
                         <a:t>Joshua</a:t>
                       </a:r>
                     </a:p>
@@ -4013,8 +3595,22 @@
                     <a:lstStyle/>
                     <a:p>
                       <a:r>
+                        <a:rPr lang="en-US" sz="1500" b="1" dirty="0"/>
+                        <a:t>Team Leader: </a:t>
+                      </a:r>
+                      <a:r>
                         <a:rPr lang="en-US" sz="1500" dirty="0"/>
-                        <a:t>Team Leader: management of course resources, repositories, submission and organization. Manages repository's to ensues no conflicts</a:t>
+                        <a:t>management of course resources, repositories, submission and organization. Manages repository's to ensues no conflicts</a:t>
+                      </a:r>
+                    </a:p>
+                    <a:p>
+                      <a:r>
+                        <a:rPr lang="en-US" sz="1500" b="1" dirty="0"/>
+                        <a:t>Co-Writer: </a:t>
+                      </a:r>
+                      <a:r>
+                        <a:rPr lang="en-US" sz="1500" dirty="0"/>
+                        <a:t>Research and co-write.</a:t>
                       </a:r>
                       <a:endParaRPr lang="en-NZ" sz="1500" dirty="0"/>
                     </a:p>
@@ -4034,7 +3630,7 @@
                     <a:lstStyle/>
                     <a:p>
                       <a:r>
-                        <a:rPr lang="en-NZ" sz="1500" dirty="0"/>
+                        <a:rPr lang="en-NZ" sz="1500" b="1" dirty="0"/>
                         <a:t>Lily</a:t>
                       </a:r>
                     </a:p>
@@ -4064,8 +3660,39 @@
                         <a:defRPr/>
                       </a:pPr>
                       <a:r>
+                        <a:rPr lang="en-US" sz="1500" b="1" dirty="0"/>
+                        <a:t>Lead Editor:  </a:t>
+                      </a:r>
+                      <a:r>
                         <a:rPr lang="en-US" sz="1500" dirty="0"/>
-                        <a:t>Lead Editor:  Grammar, spelling and formatting, and text review.</a:t>
+                        <a:t>Grammar, spelling and formatting, and text review.</a:t>
+                      </a:r>
+                    </a:p>
+                    <a:p>
+                      <a:pPr marL="0" marR="0" lvl="0" indent="0" algn="l" defTabSz="914400" rtl="0" eaLnBrk="1" fontAlgn="auto" latinLnBrk="0" hangingPunct="1">
+                        <a:lnSpc>
+                          <a:spcPct val="100000"/>
+                        </a:lnSpc>
+                        <a:spcBef>
+                          <a:spcPts val="0"/>
+                        </a:spcBef>
+                        <a:spcAft>
+                          <a:spcPts val="0"/>
+                        </a:spcAft>
+                        <a:buClrTx/>
+                        <a:buSzTx/>
+                        <a:buFontTx/>
+                        <a:buNone/>
+                        <a:tabLst/>
+                        <a:defRPr/>
+                      </a:pPr>
+                      <a:r>
+                        <a:rPr lang="en-US" sz="1500" b="1" dirty="0"/>
+                        <a:t>Co-Writer:</a:t>
+                      </a:r>
+                      <a:r>
+                        <a:rPr lang="en-US" sz="1500" dirty="0"/>
+                        <a:t> Research and co-write.</a:t>
                       </a:r>
                       <a:endParaRPr lang="en-NZ" sz="1500" dirty="0"/>
                     </a:p>
@@ -4078,14 +3705,14 @@
                   </a:ext>
                 </a:extLst>
               </a:tr>
-              <a:tr h="1142528">
+              <a:tr h="0">
                 <a:tc>
                   <a:txBody>
                     <a:bodyPr/>
                     <a:lstStyle/>
                     <a:p>
                       <a:r>
-                        <a:rPr lang="en-NZ" sz="1500" dirty="0"/>
+                        <a:rPr lang="en-NZ" sz="1500" b="1" dirty="0"/>
                         <a:t>Jared</a:t>
                       </a:r>
                     </a:p>
@@ -4115,8 +3742,39 @@
                         <a:defRPr/>
                       </a:pPr>
                       <a:r>
+                        <a:rPr lang="en-US" sz="1500" b="1" dirty="0"/>
+                        <a:t>Lead Web designer/web master:</a:t>
+                      </a:r>
+                      <a:r>
                         <a:rPr lang="en-US" sz="1500" dirty="0"/>
-                        <a:t>Lead Web designer/web master. Manage the design and development of the web resources as well as integrating changes</a:t>
+                        <a:t> Manage the design and development of the web resources as well as integrating changes.</a:t>
+                      </a:r>
+                    </a:p>
+                    <a:p>
+                      <a:pPr marL="0" marR="0" lvl="0" indent="0" algn="l" defTabSz="914400" rtl="0" eaLnBrk="1" fontAlgn="auto" latinLnBrk="0" hangingPunct="1">
+                        <a:lnSpc>
+                          <a:spcPct val="100000"/>
+                        </a:lnSpc>
+                        <a:spcBef>
+                          <a:spcPts val="0"/>
+                        </a:spcBef>
+                        <a:spcAft>
+                          <a:spcPts val="0"/>
+                        </a:spcAft>
+                        <a:buClrTx/>
+                        <a:buSzTx/>
+                        <a:buFontTx/>
+                        <a:buNone/>
+                        <a:tabLst/>
+                        <a:defRPr/>
+                      </a:pPr>
+                      <a:r>
+                        <a:rPr lang="en-US" sz="1500" b="1" dirty="0"/>
+                        <a:t>Co-Writer: </a:t>
+                      </a:r>
+                      <a:r>
+                        <a:rPr lang="en-US" sz="1500" dirty="0"/>
+                        <a:t>Research and co-write.</a:t>
                       </a:r>
                       <a:endParaRPr lang="en-NZ" sz="1500" dirty="0"/>
                     </a:p>
@@ -4147,7 +3805,7 @@
         </p:nvSpPr>
         <p:spPr>
           <a:xfrm>
-            <a:off x="7958433" y="3189838"/>
+            <a:off x="7895371" y="3434769"/>
             <a:ext cx="4019504" cy="3385542"/>
           </a:xfrm>
           <a:prstGeom prst="rect">
